--- a/Doc/figures/delta.pptx
+++ b/Doc/figures/delta.pptx
@@ -3953,49 +3953,6 @@
           </a:p>
         </p:txBody>
       </p:sp>
-      <p:sp>
-        <p:nvSpPr>
-          <p:cNvPr id="87" name="Isosceles Triangle 86"/>
-          <p:cNvSpPr/>
-          <p:nvPr/>
-        </p:nvSpPr>
-        <p:spPr>
-          <a:xfrm rot="17817420">
-            <a:off x="5275946" y="3963767"/>
-            <a:ext cx="847439" cy="762000"/>
-          </a:xfrm>
-          <a:prstGeom prst="triangle">
-            <a:avLst/>
-          </a:prstGeom>
-          <a:noFill/>
-        </p:spPr>
-        <p:style>
-          <a:lnRef idx="2">
-            <a:schemeClr val="accent2"/>
-          </a:lnRef>
-          <a:fillRef idx="1">
-            <a:schemeClr val="lt1"/>
-          </a:fillRef>
-          <a:effectRef idx="0">
-            <a:schemeClr val="accent2"/>
-          </a:effectRef>
-          <a:fontRef idx="minor">
-            <a:schemeClr val="dk1"/>
-          </a:fontRef>
-        </p:style>
-        <p:txBody>
-          <a:bodyPr rtlCol="0" anchor="ctr"/>
-          <a:lstStyle/>
-          <a:p>
-            <a:pPr algn="ctr"/>
-            <a:r>
-              <a:rPr lang="en-US" sz="3600" dirty="0" err="1" smtClean="0"/>
-              <a:t>i</a:t>
-            </a:r>
-            <a:endParaRPr lang="en-US" sz="3600" dirty="0"/>
-          </a:p>
-        </p:txBody>
-      </p:sp>
       <p:cxnSp>
         <p:nvCxnSpPr>
           <p:cNvPr id="88" name="Straight Connector 87"/>
@@ -4254,11 +4211,11 @@
           <a:p>
             <a:pPr algn="ctr"/>
             <a:r>
-              <a:rPr lang="el-GR" sz="2000" dirty="0" smtClean="0">
+              <a:rPr lang="el-GR" sz="2000" dirty="0">
                 <a:solidFill>
                   <a:schemeClr val="tx1"/>
                 </a:solidFill>
-                <a:latin typeface="Arial Unicode MS"/>
+                <a:latin typeface="+mj-lt"/>
                 <a:ea typeface="Arial Unicode MS"/>
                 <a:cs typeface="Arial Unicode MS"/>
                 <a:sym typeface="Zed"/>
@@ -4266,11 +4223,11 @@
               <a:t></a:t>
             </a:r>
             <a:r>
-              <a:rPr lang="en-US" sz="2000" dirty="0" smtClean="0">
+              <a:rPr lang="en-US" sz="2000" dirty="0">
                 <a:solidFill>
                   <a:schemeClr val="tx1"/>
                 </a:solidFill>
-                <a:latin typeface="Arial Unicode MS"/>
+                <a:latin typeface="+mj-lt"/>
                 <a:ea typeface="Arial Unicode MS"/>
                 <a:cs typeface="Arial Unicode MS"/>
                 <a:sym typeface="Zed"/>
@@ -4278,11 +4235,11 @@
               <a:t>(</a:t>
             </a:r>
             <a:r>
-              <a:rPr lang="en-US" sz="2000" i="1" dirty="0" smtClean="0">
+              <a:rPr lang="en-US" sz="2000" i="1" dirty="0">
                 <a:solidFill>
                   <a:schemeClr val="tx1"/>
                 </a:solidFill>
-                <a:latin typeface="Arial Unicode MS"/>
+                <a:latin typeface="+mj-lt"/>
                 <a:ea typeface="Arial Unicode MS"/>
                 <a:cs typeface="Arial Unicode MS"/>
                 <a:sym typeface="Zed"/>
@@ -4290,37 +4247,49 @@
               <a:t>d</a:t>
             </a:r>
             <a:r>
-              <a:rPr lang="en-US" sz="2000" dirty="0" smtClean="0">
+              <a:rPr lang="en-US" sz="2000" dirty="0">
                 <a:solidFill>
                   <a:schemeClr val="tx1"/>
                 </a:solidFill>
+                <a:latin typeface="+mj-lt"/>
+                <a:ea typeface="Arial Unicode MS"/>
+                <a:cs typeface="Arial Unicode MS"/>
                 <a:sym typeface="Zed"/>
               </a:rPr>
               <a:t></a:t>
             </a:r>
             <a:r>
-              <a:rPr lang="en-US" sz="2000" b="1" dirty="0" smtClean="0">
+              <a:rPr lang="en-US" sz="2000" i="1" dirty="0">
                 <a:solidFill>
                   <a:schemeClr val="tx1"/>
                 </a:solidFill>
+                <a:latin typeface="+mj-lt"/>
+                <a:ea typeface="Arial Unicode MS"/>
+                <a:cs typeface="Arial Unicode MS"/>
                 <a:sym typeface="Zed"/>
               </a:rPr>
               <a:t> </a:t>
             </a:r>
             <a:r>
-              <a:rPr lang="en-US" sz="2000" b="1" dirty="0" smtClean="0">
+              <a:rPr lang="en-US" sz="2000" b="1" i="1" dirty="0">
                 <a:solidFill>
                   <a:schemeClr val="tx1"/>
                 </a:solidFill>
+                <a:latin typeface="+mj-lt"/>
+                <a:ea typeface="Arial Unicode MS"/>
+                <a:cs typeface="Arial Unicode MS"/>
                 <a:sym typeface="Zed"/>
               </a:rPr>
               <a:t>V=V‘</a:t>
             </a:r>
             <a:r>
-              <a:rPr lang="en-US" sz="2000" dirty="0" smtClean="0">
+              <a:rPr lang="en-US" sz="2000" dirty="0">
                 <a:solidFill>
                   <a:schemeClr val="tx1"/>
                 </a:solidFill>
+                <a:latin typeface="+mj-lt"/>
+                <a:ea typeface="Arial Unicode MS"/>
+                <a:cs typeface="Arial Unicode MS"/>
                 <a:sym typeface="Zed"/>
               </a:rPr>
               <a:t>)</a:t>
@@ -4329,6 +4298,9 @@
               <a:solidFill>
                 <a:schemeClr val="tx1"/>
               </a:solidFill>
+              <a:latin typeface="+mj-lt"/>
+              <a:ea typeface="Arial Unicode MS"/>
+              <a:cs typeface="Arial Unicode MS"/>
             </a:endParaRPr>
           </a:p>
         </p:txBody>
@@ -4468,7 +4440,19 @@
           <a:lstStyle/>
           <a:p>
             <a:pPr algn="ctr"/>
-            <a:endParaRPr lang="en-US"/>
+            <a:r>
+              <a:rPr lang="en-US" sz="2800" b="1" dirty="0" smtClean="0">
+                <a:solidFill>
+                  <a:schemeClr val="tx1"/>
+                </a:solidFill>
+              </a:rPr>
+              <a:t>+</a:t>
+            </a:r>
+            <a:endParaRPr lang="en-US" sz="2800" b="1" dirty="0">
+              <a:solidFill>
+                <a:schemeClr val="tx1"/>
+              </a:solidFill>
+            </a:endParaRPr>
           </a:p>
         </p:txBody>
       </p:sp>
@@ -4659,7 +4643,7 @@
           <a:lstStyle/>
           <a:p>
             <a:pPr algn="ctr"/>
-            <a:endParaRPr lang="en-US"/>
+            <a:endParaRPr lang="en-US" sz="2000" dirty="0"/>
           </a:p>
         </p:txBody>
       </p:sp>
@@ -4841,7 +4825,7 @@
           <a:lstStyle/>
           <a:p>
             <a:r>
-              <a:rPr lang="en-US" sz="3600" smtClean="0"/>
+              <a:rPr lang="en-US" sz="3600" dirty="0" smtClean="0"/>
               <a:t>4,5</a:t>
             </a:r>
             <a:endParaRPr lang="en-US" sz="3600" dirty="0"/>
@@ -4875,6 +4859,49 @@
               <a:t>3</a:t>
             </a:r>
             <a:endParaRPr lang="en-US" sz="3600" dirty="0"/>
+          </a:p>
+        </p:txBody>
+      </p:sp>
+      <p:sp>
+        <p:nvSpPr>
+          <p:cNvPr id="87" name="Isosceles Triangle 86"/>
+          <p:cNvSpPr/>
+          <p:nvPr/>
+        </p:nvSpPr>
+        <p:spPr>
+          <a:xfrm rot="17817420">
+            <a:off x="5275946" y="3963767"/>
+            <a:ext cx="847439" cy="762000"/>
+          </a:xfrm>
+          <a:prstGeom prst="triangle">
+            <a:avLst/>
+          </a:prstGeom>
+          <a:noFill/>
+        </p:spPr>
+        <p:style>
+          <a:lnRef idx="2">
+            <a:schemeClr val="accent2"/>
+          </a:lnRef>
+          <a:fillRef idx="1">
+            <a:schemeClr val="lt1"/>
+          </a:fillRef>
+          <a:effectRef idx="0">
+            <a:schemeClr val="accent2"/>
+          </a:effectRef>
+          <a:fontRef idx="minor">
+            <a:schemeClr val="dk1"/>
+          </a:fontRef>
+        </p:style>
+        <p:txBody>
+          <a:bodyPr rtlCol="0" anchor="ctr"/>
+          <a:lstStyle/>
+          <a:p>
+            <a:pPr algn="ctr"/>
+            <a:r>
+              <a:rPr lang="en-US" sz="4800" dirty="0" smtClean="0"/>
+              <a:t>-</a:t>
+            </a:r>
+            <a:endParaRPr lang="en-US" sz="4800" dirty="0"/>
           </a:p>
         </p:txBody>
       </p:sp>
